--- a/C-Course/Slides/Section8-Functions.pptx
+++ b/C-Course/Slides/Section8-Functions.pptx
@@ -5,7 +5,7 @@
     <p:sldMasterId id="2147483648" r:id="rId1"/>
   </p:sldMasterIdLst>
   <p:notesMasterIdLst>
-    <p:notesMasterId r:id="rId21"/>
+    <p:notesMasterId r:id="rId22"/>
   </p:notesMasterIdLst>
   <p:sldIdLst>
     <p:sldId id="256" r:id="rId2"/>
@@ -22,11 +22,12 @@
     <p:sldId id="346" r:id="rId13"/>
     <p:sldId id="353" r:id="rId14"/>
     <p:sldId id="355" r:id="rId15"/>
-    <p:sldId id="337" r:id="rId16"/>
-    <p:sldId id="341" r:id="rId17"/>
-    <p:sldId id="357" r:id="rId18"/>
-    <p:sldId id="356" r:id="rId19"/>
-    <p:sldId id="266" r:id="rId20"/>
+    <p:sldId id="357" r:id="rId16"/>
+    <p:sldId id="358" r:id="rId17"/>
+    <p:sldId id="337" r:id="rId18"/>
+    <p:sldId id="341" r:id="rId19"/>
+    <p:sldId id="356" r:id="rId20"/>
+    <p:sldId id="266" r:id="rId21"/>
   </p:sldIdLst>
   <p:sldSz cx="12192000" cy="6858000"/>
   <p:notesSz cx="6858000" cy="9144000"/>
@@ -215,7 +216,7 @@
           <a:p>
             <a:fld id="{CF228947-4375-1244-9960-5B734462073D}" type="datetimeFigureOut">
               <a:rPr lang="en-US" smtClean="0"/>
-              <a:t>4/20/21</a:t>
+              <a:t>4/23/21</a:t>
             </a:fld>
             <a:endParaRPr lang="en-US"/>
           </a:p>
@@ -670,7 +671,7 @@
           <a:p>
             <a:fld id="{4A561311-75B6-5448-8072-CF99FAEFE802}" type="slidenum">
               <a:rPr lang="en-US" smtClean="0"/>
-              <a:t>16</a:t>
+              <a:t>18</a:t>
             </a:fld>
             <a:endParaRPr lang="en-US"/>
           </a:p>
@@ -754,7 +755,7 @@
           <a:p>
             <a:fld id="{4A561311-75B6-5448-8072-CF99FAEFE802}" type="slidenum">
               <a:rPr lang="en-US" smtClean="0"/>
-              <a:t>19</a:t>
+              <a:t>20</a:t>
             </a:fld>
             <a:endParaRPr lang="en-US"/>
           </a:p>
@@ -2010,7 +2011,7 @@
             <a:fld id="{B61BEF0D-F0BB-DE4B-95CE-6DB70DBA9567}" type="datetimeFigureOut">
               <a:rPr lang="en-US" dirty="0"/>
               <a:pPr/>
-              <a:t>4/20/21</a:t>
+              <a:t>4/23/21</a:t>
             </a:fld>
             <a:endParaRPr lang="en-US" dirty="0"/>
           </a:p>
@@ -2341,7 +2342,7 @@
             <a:fld id="{B61BEF0D-F0BB-DE4B-95CE-6DB70DBA9567}" type="datetimeFigureOut">
               <a:rPr lang="en-US" dirty="0"/>
               <a:pPr/>
-              <a:t>4/20/21</a:t>
+              <a:t>4/23/21</a:t>
             </a:fld>
             <a:endParaRPr lang="en-US" dirty="0"/>
           </a:p>
@@ -2616,7 +2617,7 @@
             <a:fld id="{B61BEF0D-F0BB-DE4B-95CE-6DB70DBA9567}" type="datetimeFigureOut">
               <a:rPr lang="en-US" dirty="0"/>
               <a:pPr/>
-              <a:t>4/20/21</a:t>
+              <a:t>4/23/21</a:t>
             </a:fld>
             <a:endParaRPr lang="en-US" dirty="0"/>
           </a:p>
@@ -3181,7 +3182,7 @@
             <a:fld id="{B61BEF0D-F0BB-DE4B-95CE-6DB70DBA9567}" type="datetimeFigureOut">
               <a:rPr lang="en-US" dirty="0"/>
               <a:pPr/>
-              <a:t>4/20/21</a:t>
+              <a:t>4/23/21</a:t>
             </a:fld>
             <a:endParaRPr lang="en-US" dirty="0"/>
           </a:p>
@@ -3456,7 +3457,7 @@
             <a:fld id="{B61BEF0D-F0BB-DE4B-95CE-6DB70DBA9567}" type="datetimeFigureOut">
               <a:rPr lang="en-US" dirty="0"/>
               <a:pPr/>
-              <a:t>4/20/21</a:t>
+              <a:t>4/23/21</a:t>
             </a:fld>
             <a:endParaRPr lang="en-US" dirty="0"/>
           </a:p>
@@ -4015,7 +4016,7 @@
             <a:fld id="{B61BEF0D-F0BB-DE4B-95CE-6DB70DBA9567}" type="datetimeFigureOut">
               <a:rPr lang="en-US" dirty="0"/>
               <a:pPr/>
-              <a:t>4/20/21</a:t>
+              <a:t>4/23/21</a:t>
             </a:fld>
             <a:endParaRPr lang="en-US" dirty="0"/>
           </a:p>
@@ -4339,7 +4340,7 @@
             <a:fld id="{B61BEF0D-F0BB-DE4B-95CE-6DB70DBA9567}" type="datetimeFigureOut">
               <a:rPr lang="en-US" dirty="0"/>
               <a:pPr/>
-              <a:t>4/20/21</a:t>
+              <a:t>4/23/21</a:t>
             </a:fld>
             <a:endParaRPr lang="en-US" dirty="0"/>
           </a:p>
@@ -4513,7 +4514,7 @@
             <a:fld id="{B61BEF0D-F0BB-DE4B-95CE-6DB70DBA9567}" type="datetimeFigureOut">
               <a:rPr lang="en-US" dirty="0"/>
               <a:pPr/>
-              <a:t>4/20/21</a:t>
+              <a:t>4/23/21</a:t>
             </a:fld>
             <a:endParaRPr lang="en-US" dirty="0"/>
           </a:p>
@@ -4748,7 +4749,7 @@
             <a:fld id="{B61BEF0D-F0BB-DE4B-95CE-6DB70DBA9567}" type="datetimeFigureOut">
               <a:rPr lang="en-US" dirty="0"/>
               <a:pPr/>
-              <a:t>4/20/21</a:t>
+              <a:t>4/23/21</a:t>
             </a:fld>
             <a:endParaRPr lang="en-US" dirty="0"/>
           </a:p>
@@ -4945,7 +4946,7 @@
             <a:fld id="{B61BEF0D-F0BB-DE4B-95CE-6DB70DBA9567}" type="datetimeFigureOut">
               <a:rPr lang="en-US" dirty="0"/>
               <a:pPr/>
-              <a:t>4/20/21</a:t>
+              <a:t>4/23/21</a:t>
             </a:fld>
             <a:endParaRPr lang="en-US" dirty="0"/>
           </a:p>
@@ -5218,7 +5219,7 @@
             <a:fld id="{B61BEF0D-F0BB-DE4B-95CE-6DB70DBA9567}" type="datetimeFigureOut">
               <a:rPr lang="en-US" dirty="0"/>
               <a:pPr/>
-              <a:t>4/20/21</a:t>
+              <a:t>4/23/21</a:t>
             </a:fld>
             <a:endParaRPr lang="en-US" dirty="0"/>
           </a:p>
@@ -5481,7 +5482,7 @@
             <a:fld id="{B61BEF0D-F0BB-DE4B-95CE-6DB70DBA9567}" type="datetimeFigureOut">
               <a:rPr lang="en-US" dirty="0"/>
               <a:pPr/>
-              <a:t>4/20/21</a:t>
+              <a:t>4/23/21</a:t>
             </a:fld>
             <a:endParaRPr lang="en-US" dirty="0"/>
           </a:p>
@@ -5852,7 +5853,7 @@
             <a:fld id="{B61BEF0D-F0BB-DE4B-95CE-6DB70DBA9567}" type="datetimeFigureOut">
               <a:rPr lang="en-US" dirty="0"/>
               <a:pPr/>
-              <a:t>4/20/21</a:t>
+              <a:t>4/23/21</a:t>
             </a:fld>
             <a:endParaRPr lang="en-US" dirty="0"/>
           </a:p>
@@ -5997,7 +5998,7 @@
             <a:fld id="{B61BEF0D-F0BB-DE4B-95CE-6DB70DBA9567}" type="datetimeFigureOut">
               <a:rPr lang="en-US" dirty="0"/>
               <a:pPr/>
-              <a:t>4/20/21</a:t>
+              <a:t>4/23/21</a:t>
             </a:fld>
             <a:endParaRPr lang="en-US" dirty="0"/>
           </a:p>
@@ -6119,7 +6120,7 @@
             <a:fld id="{B61BEF0D-F0BB-DE4B-95CE-6DB70DBA9567}" type="datetimeFigureOut">
               <a:rPr lang="en-US" dirty="0"/>
               <a:pPr/>
-              <a:t>4/20/21</a:t>
+              <a:t>4/23/21</a:t>
             </a:fld>
             <a:endParaRPr lang="en-US" dirty="0"/>
           </a:p>
@@ -6401,7 +6402,7 @@
             <a:fld id="{B61BEF0D-F0BB-DE4B-95CE-6DB70DBA9567}" type="datetimeFigureOut">
               <a:rPr lang="en-US" dirty="0"/>
               <a:pPr/>
-              <a:t>4/20/21</a:t>
+              <a:t>4/23/21</a:t>
             </a:fld>
             <a:endParaRPr lang="en-US" dirty="0"/>
           </a:p>
@@ -6722,7 +6723,7 @@
             <a:fld id="{B61BEF0D-F0BB-DE4B-95CE-6DB70DBA9567}" type="datetimeFigureOut">
               <a:rPr lang="en-US" dirty="0"/>
               <a:pPr/>
-              <a:t>4/20/21</a:t>
+              <a:t>4/23/21</a:t>
             </a:fld>
             <a:endParaRPr lang="en-US" dirty="0"/>
           </a:p>
@@ -6933,7 +6934,7 @@
             <a:fld id="{B61BEF0D-F0BB-DE4B-95CE-6DB70DBA9567}" type="datetimeFigureOut">
               <a:rPr lang="en-US" dirty="0"/>
               <a:pPr/>
-              <a:t>4/20/21</a:t>
+              <a:t>4/23/21</a:t>
             </a:fld>
             <a:endParaRPr lang="en-US" dirty="0"/>
           </a:p>
@@ -7470,7 +7471,7 @@
           <a:p>
             <a:r>
               <a:rPr lang="en-US" dirty="0"/>
-              <a:t>C Flow Control</a:t>
+              <a:t>C Functions</a:t>
             </a:r>
           </a:p>
         </p:txBody>
@@ -8064,7 +8065,16 @@
           <a:bodyPr/>
           <a:lstStyle/>
           <a:p>
-            <a:endParaRPr lang="en-US"/>
+            <a:r>
+              <a:rPr lang="en-US" dirty="0"/>
+              <a:t>In slide example we had a void type meaning it didn’t return anything (we printed a value)</a:t>
+            </a:r>
+          </a:p>
+          <a:p>
+            <a:r>
+              <a:rPr lang="en-US" dirty="0"/>
+              <a:t>Now let’s talk about the types of functions and their returns</a:t>
+            </a:r>
           </a:p>
         </p:txBody>
       </p:sp>
@@ -8084,6 +8094,15 @@
 <file path=ppt/slides/slide15.xml><?xml version="1.0" encoding="utf-8"?>
 <p:sld xmlns:a="http://schemas.openxmlformats.org/drawingml/2006/main" xmlns:r="http://schemas.openxmlformats.org/officeDocument/2006/relationships" xmlns:p="http://schemas.openxmlformats.org/presentationml/2006/main">
   <p:cSld>
+    <p:bg>
+      <p:bgPr>
+        <a:blipFill>
+          <a:blip r:embed="rId2"/>
+          <a:stretch/>
+        </a:blipFill>
+        <a:effectLst/>
+      </p:bgPr>
+    </p:bg>
     <p:spTree>
       <p:nvGrpSpPr>
         <p:cNvPr id="1" name=""/>
@@ -8103,6 +8122,1626 @@
           <p:cNvPr id="2" name="Title 1">
             <a:extLst>
               <a:ext uri="{FF2B5EF4-FFF2-40B4-BE49-F238E27FC236}">
+                <a16:creationId xmlns:a16="http://schemas.microsoft.com/office/drawing/2014/main" id="{67C80F85-FC93-0645-87FD-23709343B0FB}"/>
+              </a:ext>
+            </a:extLst>
+          </p:cNvPr>
+          <p:cNvSpPr>
+            <a:spLocks noGrp="1"/>
+          </p:cNvSpPr>
+          <p:nvPr>
+            <p:ph type="title"/>
+          </p:nvPr>
+        </p:nvSpPr>
+        <p:spPr>
+          <a:xfrm>
+            <a:off x="7865806" y="643463"/>
+            <a:ext cx="3706762" cy="1608124"/>
+          </a:xfrm>
+        </p:spPr>
+        <p:txBody>
+          <a:bodyPr>
+            <a:normAutofit/>
+          </a:bodyPr>
+          <a:lstStyle/>
+          <a:p>
+            <a:r>
+              <a:rPr lang="en-US" dirty="0"/>
+              <a:t>Int functions</a:t>
+            </a:r>
+          </a:p>
+        </p:txBody>
+      </p:sp>
+      <p:pic>
+        <p:nvPicPr>
+          <p:cNvPr id="9" name="Content Placeholder 8" descr="Text&#10;&#10;Description automatically generated">
+            <a:extLst>
+              <a:ext uri="{FF2B5EF4-FFF2-40B4-BE49-F238E27FC236}">
+                <a16:creationId xmlns:a16="http://schemas.microsoft.com/office/drawing/2014/main" id="{D3DED368-9546-3847-A807-CADFFC03BB26}"/>
+              </a:ext>
+            </a:extLst>
+          </p:cNvPr>
+          <p:cNvPicPr>
+            <a:picLocks noChangeAspect="1"/>
+          </p:cNvPicPr>
+          <p:nvPr/>
+        </p:nvPicPr>
+        <p:blipFill rotWithShape="1">
+          <a:blip r:embed="rId3"/>
+          <a:srcRect l="7912" r="10590"/>
+          <a:stretch/>
+        </p:blipFill>
+        <p:spPr>
+          <a:xfrm>
+            <a:off x="20" y="975"/>
+            <a:ext cx="7552924" cy="6858000"/>
+          </a:xfrm>
+          <a:prstGeom prst="rect">
+            <a:avLst/>
+          </a:prstGeom>
+        </p:spPr>
+      </p:pic>
+      <p:sp>
+        <p:nvSpPr>
+          <p:cNvPr id="13" name="Content Placeholder 12">
+            <a:extLst>
+              <a:ext uri="{FF2B5EF4-FFF2-40B4-BE49-F238E27FC236}">
+                <a16:creationId xmlns:a16="http://schemas.microsoft.com/office/drawing/2014/main" id="{12638BC3-C989-4422-93DF-A4EB09BA8436}"/>
+              </a:ext>
+            </a:extLst>
+          </p:cNvPr>
+          <p:cNvSpPr>
+            <a:spLocks noGrp="1"/>
+          </p:cNvSpPr>
+          <p:nvPr>
+            <p:ph idx="1"/>
+          </p:nvPr>
+        </p:nvSpPr>
+        <p:spPr>
+          <a:xfrm>
+            <a:off x="7865806" y="2251587"/>
+            <a:ext cx="3706762" cy="3972232"/>
+          </a:xfrm>
+        </p:spPr>
+        <p:txBody>
+          <a:bodyPr>
+            <a:normAutofit fontScale="92500" lnSpcReduction="20000"/>
+          </a:bodyPr>
+          <a:lstStyle/>
+          <a:p>
+            <a:r>
+              <a:rPr lang="en-US" dirty="0">
+                <a:solidFill>
+                  <a:srgbClr val="FFC000"/>
+                </a:solidFill>
+              </a:rPr>
+              <a:t>Execution will call </a:t>
+            </a:r>
+            <a:r>
+              <a:rPr lang="en-US" dirty="0" err="1">
+                <a:solidFill>
+                  <a:srgbClr val="FFC000"/>
+                </a:solidFill>
+              </a:rPr>
+              <a:t>myIntFunction</a:t>
+            </a:r>
+            <a:r>
+              <a:rPr lang="en-US" dirty="0">
+                <a:solidFill>
+                  <a:srgbClr val="FFC000"/>
+                </a:solidFill>
+              </a:rPr>
+              <a:t>(41)</a:t>
+            </a:r>
+          </a:p>
+          <a:p>
+            <a:r>
+              <a:rPr lang="en-US" dirty="0">
+                <a:solidFill>
+                  <a:srgbClr val="92D050"/>
+                </a:solidFill>
+              </a:rPr>
+              <a:t>Execution will be transferred to the function definition (bottom part)</a:t>
+            </a:r>
+          </a:p>
+          <a:p>
+            <a:r>
+              <a:rPr lang="en-US" dirty="0">
+                <a:solidFill>
+                  <a:srgbClr val="00B0F0"/>
+                </a:solidFill>
+              </a:rPr>
+              <a:t>41 will be in place of the a variable (argument)</a:t>
+            </a:r>
+          </a:p>
+          <a:p>
+            <a:r>
+              <a:rPr lang="en-US" dirty="0">
+                <a:solidFill>
+                  <a:srgbClr val="FF0000"/>
+                </a:solidFill>
+              </a:rPr>
+              <a:t>Function will return the a variable, which is 41</a:t>
+            </a:r>
+          </a:p>
+          <a:p>
+            <a:r>
+              <a:rPr lang="en-US" dirty="0"/>
+              <a:t>When a value is ”</a:t>
+            </a:r>
+            <a:r>
+              <a:rPr lang="en-US" dirty="0" err="1"/>
+              <a:t>return’d</a:t>
+            </a:r>
+            <a:r>
+              <a:rPr lang="en-US" dirty="0"/>
+              <a:t>” that means it will be given back to the calling line so the program can store it somewhere in this case the ”</a:t>
+            </a:r>
+            <a:r>
+              <a:rPr lang="en-US" dirty="0" err="1"/>
+              <a:t>returnValue</a:t>
+            </a:r>
+            <a:r>
+              <a:rPr lang="en-US" dirty="0"/>
+              <a:t>” variable</a:t>
+            </a:r>
+          </a:p>
+          <a:p>
+            <a:r>
+              <a:rPr lang="en-US" dirty="0">
+                <a:solidFill>
+                  <a:srgbClr val="FFFF00"/>
+                </a:solidFill>
+              </a:rPr>
+              <a:t>The “</a:t>
+            </a:r>
+            <a:r>
+              <a:rPr lang="en-US" dirty="0" err="1">
+                <a:solidFill>
+                  <a:srgbClr val="FFFF00"/>
+                </a:solidFill>
+              </a:rPr>
+              <a:t>returnValue</a:t>
+            </a:r>
+            <a:r>
+              <a:rPr lang="en-US" dirty="0">
+                <a:solidFill>
+                  <a:srgbClr val="FFFF00"/>
+                </a:solidFill>
+              </a:rPr>
+              <a:t>” variable, which stores 41, is then printed</a:t>
+            </a:r>
+          </a:p>
+        </p:txBody>
+      </p:sp>
+      <p:sp>
+        <p:nvSpPr>
+          <p:cNvPr id="14" name="Frame 13">
+            <a:extLst>
+              <a:ext uri="{FF2B5EF4-FFF2-40B4-BE49-F238E27FC236}">
+                <a16:creationId xmlns:a16="http://schemas.microsoft.com/office/drawing/2014/main" id="{695C64DF-B143-9A49-BE27-654B6414C98C}"/>
+              </a:ext>
+            </a:extLst>
+          </p:cNvPr>
+          <p:cNvSpPr/>
+          <p:nvPr/>
+        </p:nvSpPr>
+        <p:spPr>
+          <a:xfrm>
+            <a:off x="4108704" y="2251587"/>
+            <a:ext cx="3011424" cy="515997"/>
+          </a:xfrm>
+          <a:prstGeom prst="frame">
+            <a:avLst/>
+          </a:prstGeom>
+          <a:solidFill>
+            <a:srgbClr val="FFC000"/>
+          </a:solidFill>
+          <a:ln>
+            <a:solidFill>
+              <a:srgbClr val="FFC000"/>
+            </a:solidFill>
+          </a:ln>
+        </p:spPr>
+        <p:style>
+          <a:lnRef idx="2">
+            <a:schemeClr val="accent1">
+              <a:shade val="50000"/>
+            </a:schemeClr>
+          </a:lnRef>
+          <a:fillRef idx="1">
+            <a:schemeClr val="accent1"/>
+          </a:fillRef>
+          <a:effectRef idx="0">
+            <a:schemeClr val="accent1"/>
+          </a:effectRef>
+          <a:fontRef idx="minor">
+            <a:schemeClr val="lt1"/>
+          </a:fontRef>
+        </p:style>
+        <p:txBody>
+          <a:bodyPr rtlCol="0" anchor="ctr"/>
+          <a:lstStyle/>
+          <a:p>
+            <a:pPr algn="ctr"/>
+            <a:endParaRPr lang="en-US">
+              <a:solidFill>
+                <a:schemeClr val="tx1"/>
+              </a:solidFill>
+            </a:endParaRPr>
+          </a:p>
+        </p:txBody>
+      </p:sp>
+      <p:sp>
+        <p:nvSpPr>
+          <p:cNvPr id="15" name="Frame 14">
+            <a:extLst>
+              <a:ext uri="{FF2B5EF4-FFF2-40B4-BE49-F238E27FC236}">
+                <a16:creationId xmlns:a16="http://schemas.microsoft.com/office/drawing/2014/main" id="{AD1D141E-98DB-974B-83DE-CA7181298BC0}"/>
+              </a:ext>
+            </a:extLst>
+          </p:cNvPr>
+          <p:cNvSpPr/>
+          <p:nvPr/>
+        </p:nvSpPr>
+        <p:spPr>
+          <a:xfrm>
+            <a:off x="365760" y="3730752"/>
+            <a:ext cx="4486656" cy="1853184"/>
+          </a:xfrm>
+          <a:prstGeom prst="frame">
+            <a:avLst/>
+          </a:prstGeom>
+          <a:solidFill>
+            <a:srgbClr val="92D050"/>
+          </a:solidFill>
+          <a:ln>
+            <a:solidFill>
+              <a:srgbClr val="92D050"/>
+            </a:solidFill>
+          </a:ln>
+        </p:spPr>
+        <p:style>
+          <a:lnRef idx="2">
+            <a:schemeClr val="accent1">
+              <a:shade val="50000"/>
+            </a:schemeClr>
+          </a:lnRef>
+          <a:fillRef idx="1">
+            <a:schemeClr val="accent1"/>
+          </a:fillRef>
+          <a:effectRef idx="0">
+            <a:schemeClr val="accent1"/>
+          </a:effectRef>
+          <a:fontRef idx="minor">
+            <a:schemeClr val="lt1"/>
+          </a:fontRef>
+        </p:style>
+        <p:txBody>
+          <a:bodyPr rtlCol="0" anchor="ctr"/>
+          <a:lstStyle/>
+          <a:p>
+            <a:pPr algn="ctr"/>
+            <a:endParaRPr lang="en-US" dirty="0">
+              <a:solidFill>
+                <a:schemeClr val="tx1"/>
+              </a:solidFill>
+            </a:endParaRPr>
+          </a:p>
+        </p:txBody>
+      </p:sp>
+      <p:sp>
+        <p:nvSpPr>
+          <p:cNvPr id="16" name="Frame 15">
+            <a:extLst>
+              <a:ext uri="{FF2B5EF4-FFF2-40B4-BE49-F238E27FC236}">
+                <a16:creationId xmlns:a16="http://schemas.microsoft.com/office/drawing/2014/main" id="{3A170908-8640-1949-9149-D1DDE4560603}"/>
+              </a:ext>
+            </a:extLst>
+          </p:cNvPr>
+          <p:cNvSpPr/>
+          <p:nvPr/>
+        </p:nvSpPr>
+        <p:spPr>
+          <a:xfrm>
+            <a:off x="6315456" y="2365248"/>
+            <a:ext cx="609600" cy="365760"/>
+          </a:xfrm>
+          <a:prstGeom prst="frame">
+            <a:avLst/>
+          </a:prstGeom>
+          <a:solidFill>
+            <a:srgbClr val="00B0F0"/>
+          </a:solidFill>
+          <a:ln>
+            <a:solidFill>
+              <a:srgbClr val="00B0F0"/>
+            </a:solidFill>
+          </a:ln>
+        </p:spPr>
+        <p:style>
+          <a:lnRef idx="2">
+            <a:schemeClr val="accent1">
+              <a:shade val="50000"/>
+            </a:schemeClr>
+          </a:lnRef>
+          <a:fillRef idx="1">
+            <a:schemeClr val="accent1"/>
+          </a:fillRef>
+          <a:effectRef idx="0">
+            <a:schemeClr val="accent1"/>
+          </a:effectRef>
+          <a:fontRef idx="minor">
+            <a:schemeClr val="lt1"/>
+          </a:fontRef>
+        </p:style>
+        <p:txBody>
+          <a:bodyPr rtlCol="0" anchor="ctr"/>
+          <a:lstStyle/>
+          <a:p>
+            <a:pPr algn="ctr"/>
+            <a:endParaRPr lang="en-US">
+              <a:solidFill>
+                <a:schemeClr val="tx1"/>
+              </a:solidFill>
+            </a:endParaRPr>
+          </a:p>
+        </p:txBody>
+      </p:sp>
+      <p:sp>
+        <p:nvSpPr>
+          <p:cNvPr id="17" name="Frame 16">
+            <a:extLst>
+              <a:ext uri="{FF2B5EF4-FFF2-40B4-BE49-F238E27FC236}">
+                <a16:creationId xmlns:a16="http://schemas.microsoft.com/office/drawing/2014/main" id="{1F9F1815-A61F-834F-8A9E-A840DCFDEC2C}"/>
+              </a:ext>
+            </a:extLst>
+          </p:cNvPr>
+          <p:cNvSpPr/>
+          <p:nvPr/>
+        </p:nvSpPr>
+        <p:spPr>
+          <a:xfrm>
+            <a:off x="3425952" y="4237703"/>
+            <a:ext cx="1048512" cy="419641"/>
+          </a:xfrm>
+          <a:prstGeom prst="frame">
+            <a:avLst/>
+          </a:prstGeom>
+          <a:solidFill>
+            <a:srgbClr val="00B0F0"/>
+          </a:solidFill>
+          <a:ln>
+            <a:solidFill>
+              <a:srgbClr val="00B0F0"/>
+            </a:solidFill>
+          </a:ln>
+        </p:spPr>
+        <p:style>
+          <a:lnRef idx="2">
+            <a:schemeClr val="accent1">
+              <a:shade val="50000"/>
+            </a:schemeClr>
+          </a:lnRef>
+          <a:fillRef idx="1">
+            <a:schemeClr val="accent1"/>
+          </a:fillRef>
+          <a:effectRef idx="0">
+            <a:schemeClr val="accent1"/>
+          </a:effectRef>
+          <a:fontRef idx="minor">
+            <a:schemeClr val="lt1"/>
+          </a:fontRef>
+        </p:style>
+        <p:txBody>
+          <a:bodyPr rtlCol="0" anchor="ctr"/>
+          <a:lstStyle/>
+          <a:p>
+            <a:pPr algn="ctr"/>
+            <a:endParaRPr lang="en-US">
+              <a:solidFill>
+                <a:schemeClr val="tx1"/>
+              </a:solidFill>
+            </a:endParaRPr>
+          </a:p>
+        </p:txBody>
+      </p:sp>
+      <p:sp>
+        <p:nvSpPr>
+          <p:cNvPr id="18" name="Frame 17">
+            <a:extLst>
+              <a:ext uri="{FF2B5EF4-FFF2-40B4-BE49-F238E27FC236}">
+                <a16:creationId xmlns:a16="http://schemas.microsoft.com/office/drawing/2014/main" id="{EC0E814B-408A-AC4A-BF5A-9819F39FDE14}"/>
+              </a:ext>
+            </a:extLst>
+          </p:cNvPr>
+          <p:cNvSpPr/>
+          <p:nvPr/>
+        </p:nvSpPr>
+        <p:spPr>
+          <a:xfrm>
+            <a:off x="2279904" y="4657344"/>
+            <a:ext cx="329184" cy="421812"/>
+          </a:xfrm>
+          <a:prstGeom prst="frame">
+            <a:avLst/>
+          </a:prstGeom>
+          <a:solidFill>
+            <a:srgbClr val="00B0F0"/>
+          </a:solidFill>
+          <a:ln>
+            <a:solidFill>
+              <a:srgbClr val="00B0F0"/>
+            </a:solidFill>
+          </a:ln>
+        </p:spPr>
+        <p:style>
+          <a:lnRef idx="2">
+            <a:schemeClr val="accent1">
+              <a:shade val="50000"/>
+            </a:schemeClr>
+          </a:lnRef>
+          <a:fillRef idx="1">
+            <a:schemeClr val="accent1"/>
+          </a:fillRef>
+          <a:effectRef idx="0">
+            <a:schemeClr val="accent1"/>
+          </a:effectRef>
+          <a:fontRef idx="minor">
+            <a:schemeClr val="lt1"/>
+          </a:fontRef>
+        </p:style>
+        <p:txBody>
+          <a:bodyPr rtlCol="0" anchor="ctr"/>
+          <a:lstStyle/>
+          <a:p>
+            <a:pPr algn="ctr"/>
+            <a:endParaRPr lang="en-US">
+              <a:solidFill>
+                <a:schemeClr val="tx1"/>
+              </a:solidFill>
+            </a:endParaRPr>
+          </a:p>
+        </p:txBody>
+      </p:sp>
+      <p:sp>
+        <p:nvSpPr>
+          <p:cNvPr id="19" name="Frame 18">
+            <a:extLst>
+              <a:ext uri="{FF2B5EF4-FFF2-40B4-BE49-F238E27FC236}">
+                <a16:creationId xmlns:a16="http://schemas.microsoft.com/office/drawing/2014/main" id="{695C1069-D540-0443-A322-E628AD9E2776}"/>
+              </a:ext>
+            </a:extLst>
+          </p:cNvPr>
+          <p:cNvSpPr/>
+          <p:nvPr/>
+        </p:nvSpPr>
+        <p:spPr>
+          <a:xfrm>
+            <a:off x="1164139" y="4606414"/>
+            <a:ext cx="1673352" cy="472742"/>
+          </a:xfrm>
+          <a:prstGeom prst="frame">
+            <a:avLst/>
+          </a:prstGeom>
+          <a:solidFill>
+            <a:srgbClr val="FF0000"/>
+          </a:solidFill>
+          <a:ln>
+            <a:solidFill>
+              <a:srgbClr val="FF0000"/>
+            </a:solidFill>
+          </a:ln>
+        </p:spPr>
+        <p:style>
+          <a:lnRef idx="2">
+            <a:schemeClr val="accent1">
+              <a:shade val="50000"/>
+            </a:schemeClr>
+          </a:lnRef>
+          <a:fillRef idx="1">
+            <a:schemeClr val="accent1"/>
+          </a:fillRef>
+          <a:effectRef idx="0">
+            <a:schemeClr val="accent1"/>
+          </a:effectRef>
+          <a:fontRef idx="minor">
+            <a:schemeClr val="lt1"/>
+          </a:fontRef>
+        </p:style>
+        <p:txBody>
+          <a:bodyPr rtlCol="0" anchor="ctr"/>
+          <a:lstStyle/>
+          <a:p>
+            <a:pPr algn="ctr"/>
+            <a:endParaRPr lang="en-US">
+              <a:solidFill>
+                <a:schemeClr val="tx1"/>
+              </a:solidFill>
+            </a:endParaRPr>
+          </a:p>
+        </p:txBody>
+      </p:sp>
+      <p:sp>
+        <p:nvSpPr>
+          <p:cNvPr id="20" name="Frame 19">
+            <a:extLst>
+              <a:ext uri="{FF2B5EF4-FFF2-40B4-BE49-F238E27FC236}">
+                <a16:creationId xmlns:a16="http://schemas.microsoft.com/office/drawing/2014/main" id="{D697F822-E1CE-DA44-AFD6-D65F2C2764B5}"/>
+              </a:ext>
+            </a:extLst>
+          </p:cNvPr>
+          <p:cNvSpPr/>
+          <p:nvPr/>
+        </p:nvSpPr>
+        <p:spPr>
+          <a:xfrm>
+            <a:off x="1164139" y="2365248"/>
+            <a:ext cx="2631703" cy="402336"/>
+          </a:xfrm>
+          <a:prstGeom prst="frame">
+            <a:avLst/>
+          </a:prstGeom>
+          <a:solidFill>
+            <a:schemeClr val="tx1"/>
+          </a:solidFill>
+          <a:ln>
+            <a:solidFill>
+              <a:schemeClr val="tx1"/>
+            </a:solidFill>
+          </a:ln>
+        </p:spPr>
+        <p:style>
+          <a:lnRef idx="2">
+            <a:schemeClr val="accent1">
+              <a:shade val="50000"/>
+            </a:schemeClr>
+          </a:lnRef>
+          <a:fillRef idx="1">
+            <a:schemeClr val="accent1"/>
+          </a:fillRef>
+          <a:effectRef idx="0">
+            <a:schemeClr val="accent1"/>
+          </a:effectRef>
+          <a:fontRef idx="minor">
+            <a:schemeClr val="lt1"/>
+          </a:fontRef>
+        </p:style>
+        <p:txBody>
+          <a:bodyPr rtlCol="0" anchor="ctr"/>
+          <a:lstStyle/>
+          <a:p>
+            <a:pPr algn="ctr"/>
+            <a:endParaRPr lang="en-US">
+              <a:solidFill>
+                <a:schemeClr val="tx1"/>
+              </a:solidFill>
+            </a:endParaRPr>
+          </a:p>
+        </p:txBody>
+      </p:sp>
+      <p:sp>
+        <p:nvSpPr>
+          <p:cNvPr id="21" name="Frame 20">
+            <a:extLst>
+              <a:ext uri="{FF2B5EF4-FFF2-40B4-BE49-F238E27FC236}">
+                <a16:creationId xmlns:a16="http://schemas.microsoft.com/office/drawing/2014/main" id="{7D83668B-0DD9-B840-82AF-F42517F8C566}"/>
+              </a:ext>
+            </a:extLst>
+          </p:cNvPr>
+          <p:cNvSpPr/>
+          <p:nvPr/>
+        </p:nvSpPr>
+        <p:spPr>
+          <a:xfrm>
+            <a:off x="1164139" y="2767584"/>
+            <a:ext cx="4200341" cy="475488"/>
+          </a:xfrm>
+          <a:prstGeom prst="frame">
+            <a:avLst/>
+          </a:prstGeom>
+          <a:solidFill>
+            <a:srgbClr val="FFFF00"/>
+          </a:solidFill>
+          <a:ln>
+            <a:solidFill>
+              <a:srgbClr val="FFFF00"/>
+            </a:solidFill>
+          </a:ln>
+        </p:spPr>
+        <p:style>
+          <a:lnRef idx="2">
+            <a:schemeClr val="accent1">
+              <a:shade val="50000"/>
+            </a:schemeClr>
+          </a:lnRef>
+          <a:fillRef idx="1">
+            <a:schemeClr val="accent1"/>
+          </a:fillRef>
+          <a:effectRef idx="0">
+            <a:schemeClr val="accent1"/>
+          </a:effectRef>
+          <a:fontRef idx="minor">
+            <a:schemeClr val="lt1"/>
+          </a:fontRef>
+        </p:style>
+        <p:txBody>
+          <a:bodyPr rtlCol="0" anchor="ctr"/>
+          <a:lstStyle/>
+          <a:p>
+            <a:pPr algn="ctr"/>
+            <a:endParaRPr lang="en-US">
+              <a:solidFill>
+                <a:schemeClr val="tx1"/>
+              </a:solidFill>
+            </a:endParaRPr>
+          </a:p>
+        </p:txBody>
+      </p:sp>
+    </p:spTree>
+    <p:extLst>
+      <p:ext uri="{BB962C8B-B14F-4D97-AF65-F5344CB8AC3E}">
+        <p14:creationId xmlns:p14="http://schemas.microsoft.com/office/powerpoint/2010/main" val="2738791462"/>
+      </p:ext>
+    </p:extLst>
+  </p:cSld>
+  <p:clrMapOvr>
+    <a:masterClrMapping/>
+  </p:clrMapOvr>
+  <p:timing>
+    <p:tnLst>
+      <p:par>
+        <p:cTn id="1" dur="indefinite" restart="never" nodeType="tmRoot">
+          <p:childTnLst>
+            <p:seq concurrent="1" nextAc="seek">
+              <p:cTn id="2" dur="indefinite" nodeType="mainSeq">
+                <p:childTnLst>
+                  <p:par>
+                    <p:cTn id="3" fill="hold">
+                      <p:stCondLst>
+                        <p:cond delay="indefinite"/>
+                      </p:stCondLst>
+                      <p:childTnLst>
+                        <p:par>
+                          <p:cTn id="4" fill="hold">
+                            <p:stCondLst>
+                              <p:cond delay="0"/>
+                            </p:stCondLst>
+                            <p:childTnLst>
+                              <p:par>
+                                <p:cTn id="5" presetID="1" presetClass="entr" presetSubtype="0" fill="hold" nodeType="clickEffect">
+                                  <p:stCondLst>
+                                    <p:cond delay="0"/>
+                                  </p:stCondLst>
+                                  <p:childTnLst>
+                                    <p:set>
+                                      <p:cBhvr>
+                                        <p:cTn id="6" dur="1" fill="hold">
+                                          <p:stCondLst>
+                                            <p:cond delay="0"/>
+                                          </p:stCondLst>
+                                        </p:cTn>
+                                        <p:tgtEl>
+                                          <p:spTgt spid="13">
+                                            <p:txEl>
+                                              <p:pRg st="0" end="0"/>
+                                            </p:txEl>
+                                          </p:spTgt>
+                                        </p:tgtEl>
+                                        <p:attrNameLst>
+                                          <p:attrName>style.visibility</p:attrName>
+                                        </p:attrNameLst>
+                                      </p:cBhvr>
+                                      <p:to>
+                                        <p:strVal val="visible"/>
+                                      </p:to>
+                                    </p:set>
+                                  </p:childTnLst>
+                                </p:cTn>
+                              </p:par>
+                            </p:childTnLst>
+                          </p:cTn>
+                        </p:par>
+                      </p:childTnLst>
+                    </p:cTn>
+                  </p:par>
+                  <p:par>
+                    <p:cTn id="7" fill="hold">
+                      <p:stCondLst>
+                        <p:cond delay="indefinite"/>
+                      </p:stCondLst>
+                      <p:childTnLst>
+                        <p:par>
+                          <p:cTn id="8" fill="hold">
+                            <p:stCondLst>
+                              <p:cond delay="0"/>
+                            </p:stCondLst>
+                            <p:childTnLst>
+                              <p:par>
+                                <p:cTn id="9" presetID="1" presetClass="entr" presetSubtype="0" fill="hold" grpId="0" nodeType="clickEffect">
+                                  <p:stCondLst>
+                                    <p:cond delay="0"/>
+                                  </p:stCondLst>
+                                  <p:childTnLst>
+                                    <p:set>
+                                      <p:cBhvr>
+                                        <p:cTn id="10" dur="1" fill="hold">
+                                          <p:stCondLst>
+                                            <p:cond delay="0"/>
+                                          </p:stCondLst>
+                                        </p:cTn>
+                                        <p:tgtEl>
+                                          <p:spTgt spid="14"/>
+                                        </p:tgtEl>
+                                        <p:attrNameLst>
+                                          <p:attrName>style.visibility</p:attrName>
+                                        </p:attrNameLst>
+                                      </p:cBhvr>
+                                      <p:to>
+                                        <p:strVal val="visible"/>
+                                      </p:to>
+                                    </p:set>
+                                  </p:childTnLst>
+                                </p:cTn>
+                              </p:par>
+                            </p:childTnLst>
+                          </p:cTn>
+                        </p:par>
+                      </p:childTnLst>
+                    </p:cTn>
+                  </p:par>
+                  <p:par>
+                    <p:cTn id="11" fill="hold">
+                      <p:stCondLst>
+                        <p:cond delay="indefinite"/>
+                      </p:stCondLst>
+                      <p:childTnLst>
+                        <p:par>
+                          <p:cTn id="12" fill="hold">
+                            <p:stCondLst>
+                              <p:cond delay="0"/>
+                            </p:stCondLst>
+                            <p:childTnLst>
+                              <p:par>
+                                <p:cTn id="13" presetID="1" presetClass="entr" presetSubtype="0" fill="hold" nodeType="clickEffect">
+                                  <p:stCondLst>
+                                    <p:cond delay="0"/>
+                                  </p:stCondLst>
+                                  <p:childTnLst>
+                                    <p:set>
+                                      <p:cBhvr>
+                                        <p:cTn id="14" dur="1" fill="hold">
+                                          <p:stCondLst>
+                                            <p:cond delay="0"/>
+                                          </p:stCondLst>
+                                        </p:cTn>
+                                        <p:tgtEl>
+                                          <p:spTgt spid="13">
+                                            <p:txEl>
+                                              <p:pRg st="1" end="1"/>
+                                            </p:txEl>
+                                          </p:spTgt>
+                                        </p:tgtEl>
+                                        <p:attrNameLst>
+                                          <p:attrName>style.visibility</p:attrName>
+                                        </p:attrNameLst>
+                                      </p:cBhvr>
+                                      <p:to>
+                                        <p:strVal val="visible"/>
+                                      </p:to>
+                                    </p:set>
+                                  </p:childTnLst>
+                                </p:cTn>
+                              </p:par>
+                            </p:childTnLst>
+                          </p:cTn>
+                        </p:par>
+                      </p:childTnLst>
+                    </p:cTn>
+                  </p:par>
+                  <p:par>
+                    <p:cTn id="15" fill="hold">
+                      <p:stCondLst>
+                        <p:cond delay="indefinite"/>
+                      </p:stCondLst>
+                      <p:childTnLst>
+                        <p:par>
+                          <p:cTn id="16" fill="hold">
+                            <p:stCondLst>
+                              <p:cond delay="0"/>
+                            </p:stCondLst>
+                            <p:childTnLst>
+                              <p:par>
+                                <p:cTn id="17" presetID="1" presetClass="entr" presetSubtype="0" fill="hold" grpId="0" nodeType="clickEffect">
+                                  <p:stCondLst>
+                                    <p:cond delay="0"/>
+                                  </p:stCondLst>
+                                  <p:childTnLst>
+                                    <p:set>
+                                      <p:cBhvr>
+                                        <p:cTn id="18" dur="1" fill="hold">
+                                          <p:stCondLst>
+                                            <p:cond delay="0"/>
+                                          </p:stCondLst>
+                                        </p:cTn>
+                                        <p:tgtEl>
+                                          <p:spTgt spid="15"/>
+                                        </p:tgtEl>
+                                        <p:attrNameLst>
+                                          <p:attrName>style.visibility</p:attrName>
+                                        </p:attrNameLst>
+                                      </p:cBhvr>
+                                      <p:to>
+                                        <p:strVal val="visible"/>
+                                      </p:to>
+                                    </p:set>
+                                  </p:childTnLst>
+                                </p:cTn>
+                              </p:par>
+                            </p:childTnLst>
+                          </p:cTn>
+                        </p:par>
+                      </p:childTnLst>
+                    </p:cTn>
+                  </p:par>
+                  <p:par>
+                    <p:cTn id="19" fill="hold">
+                      <p:stCondLst>
+                        <p:cond delay="indefinite"/>
+                      </p:stCondLst>
+                      <p:childTnLst>
+                        <p:par>
+                          <p:cTn id="20" fill="hold">
+                            <p:stCondLst>
+                              <p:cond delay="0"/>
+                            </p:stCondLst>
+                            <p:childTnLst>
+                              <p:par>
+                                <p:cTn id="21" presetID="1" presetClass="entr" presetSubtype="0" fill="hold" nodeType="clickEffect">
+                                  <p:stCondLst>
+                                    <p:cond delay="0"/>
+                                  </p:stCondLst>
+                                  <p:childTnLst>
+                                    <p:set>
+                                      <p:cBhvr>
+                                        <p:cTn id="22" dur="1" fill="hold">
+                                          <p:stCondLst>
+                                            <p:cond delay="0"/>
+                                          </p:stCondLst>
+                                        </p:cTn>
+                                        <p:tgtEl>
+                                          <p:spTgt spid="13">
+                                            <p:txEl>
+                                              <p:pRg st="2" end="2"/>
+                                            </p:txEl>
+                                          </p:spTgt>
+                                        </p:tgtEl>
+                                        <p:attrNameLst>
+                                          <p:attrName>style.visibility</p:attrName>
+                                        </p:attrNameLst>
+                                      </p:cBhvr>
+                                      <p:to>
+                                        <p:strVal val="visible"/>
+                                      </p:to>
+                                    </p:set>
+                                  </p:childTnLst>
+                                </p:cTn>
+                              </p:par>
+                            </p:childTnLst>
+                          </p:cTn>
+                        </p:par>
+                      </p:childTnLst>
+                    </p:cTn>
+                  </p:par>
+                  <p:par>
+                    <p:cTn id="23" fill="hold">
+                      <p:stCondLst>
+                        <p:cond delay="indefinite"/>
+                      </p:stCondLst>
+                      <p:childTnLst>
+                        <p:par>
+                          <p:cTn id="24" fill="hold">
+                            <p:stCondLst>
+                              <p:cond delay="0"/>
+                            </p:stCondLst>
+                            <p:childTnLst>
+                              <p:par>
+                                <p:cTn id="25" presetID="1" presetClass="entr" presetSubtype="0" fill="hold" grpId="0" nodeType="clickEffect">
+                                  <p:stCondLst>
+                                    <p:cond delay="0"/>
+                                  </p:stCondLst>
+                                  <p:childTnLst>
+                                    <p:set>
+                                      <p:cBhvr>
+                                        <p:cTn id="26" dur="1" fill="hold">
+                                          <p:stCondLst>
+                                            <p:cond delay="0"/>
+                                          </p:stCondLst>
+                                        </p:cTn>
+                                        <p:tgtEl>
+                                          <p:spTgt spid="16"/>
+                                        </p:tgtEl>
+                                        <p:attrNameLst>
+                                          <p:attrName>style.visibility</p:attrName>
+                                        </p:attrNameLst>
+                                      </p:cBhvr>
+                                      <p:to>
+                                        <p:strVal val="visible"/>
+                                      </p:to>
+                                    </p:set>
+                                  </p:childTnLst>
+                                </p:cTn>
+                              </p:par>
+                            </p:childTnLst>
+                          </p:cTn>
+                        </p:par>
+                      </p:childTnLst>
+                    </p:cTn>
+                  </p:par>
+                  <p:par>
+                    <p:cTn id="27" fill="hold">
+                      <p:stCondLst>
+                        <p:cond delay="indefinite"/>
+                      </p:stCondLst>
+                      <p:childTnLst>
+                        <p:par>
+                          <p:cTn id="28" fill="hold">
+                            <p:stCondLst>
+                              <p:cond delay="0"/>
+                            </p:stCondLst>
+                            <p:childTnLst>
+                              <p:par>
+                                <p:cTn id="29" presetID="1" presetClass="entr" presetSubtype="0" fill="hold" grpId="0" nodeType="clickEffect">
+                                  <p:stCondLst>
+                                    <p:cond delay="0"/>
+                                  </p:stCondLst>
+                                  <p:childTnLst>
+                                    <p:set>
+                                      <p:cBhvr>
+                                        <p:cTn id="30" dur="1" fill="hold">
+                                          <p:stCondLst>
+                                            <p:cond delay="0"/>
+                                          </p:stCondLst>
+                                        </p:cTn>
+                                        <p:tgtEl>
+                                          <p:spTgt spid="17"/>
+                                        </p:tgtEl>
+                                        <p:attrNameLst>
+                                          <p:attrName>style.visibility</p:attrName>
+                                        </p:attrNameLst>
+                                      </p:cBhvr>
+                                      <p:to>
+                                        <p:strVal val="visible"/>
+                                      </p:to>
+                                    </p:set>
+                                  </p:childTnLst>
+                                </p:cTn>
+                              </p:par>
+                            </p:childTnLst>
+                          </p:cTn>
+                        </p:par>
+                      </p:childTnLst>
+                    </p:cTn>
+                  </p:par>
+                  <p:par>
+                    <p:cTn id="31" fill="hold">
+                      <p:stCondLst>
+                        <p:cond delay="indefinite"/>
+                      </p:stCondLst>
+                      <p:childTnLst>
+                        <p:par>
+                          <p:cTn id="32" fill="hold">
+                            <p:stCondLst>
+                              <p:cond delay="0"/>
+                            </p:stCondLst>
+                            <p:childTnLst>
+                              <p:par>
+                                <p:cTn id="33" presetID="1" presetClass="entr" presetSubtype="0" fill="hold" grpId="0" nodeType="clickEffect">
+                                  <p:stCondLst>
+                                    <p:cond delay="0"/>
+                                  </p:stCondLst>
+                                  <p:childTnLst>
+                                    <p:set>
+                                      <p:cBhvr>
+                                        <p:cTn id="34" dur="1" fill="hold">
+                                          <p:stCondLst>
+                                            <p:cond delay="0"/>
+                                          </p:stCondLst>
+                                        </p:cTn>
+                                        <p:tgtEl>
+                                          <p:spTgt spid="18"/>
+                                        </p:tgtEl>
+                                        <p:attrNameLst>
+                                          <p:attrName>style.visibility</p:attrName>
+                                        </p:attrNameLst>
+                                      </p:cBhvr>
+                                      <p:to>
+                                        <p:strVal val="visible"/>
+                                      </p:to>
+                                    </p:set>
+                                  </p:childTnLst>
+                                </p:cTn>
+                              </p:par>
+                            </p:childTnLst>
+                          </p:cTn>
+                        </p:par>
+                      </p:childTnLst>
+                    </p:cTn>
+                  </p:par>
+                  <p:par>
+                    <p:cTn id="35" fill="hold">
+                      <p:stCondLst>
+                        <p:cond delay="indefinite"/>
+                      </p:stCondLst>
+                      <p:childTnLst>
+                        <p:par>
+                          <p:cTn id="36" fill="hold">
+                            <p:stCondLst>
+                              <p:cond delay="0"/>
+                            </p:stCondLst>
+                            <p:childTnLst>
+                              <p:par>
+                                <p:cTn id="37" presetID="1" presetClass="entr" presetSubtype="0" fill="hold" nodeType="clickEffect">
+                                  <p:stCondLst>
+                                    <p:cond delay="0"/>
+                                  </p:stCondLst>
+                                  <p:childTnLst>
+                                    <p:set>
+                                      <p:cBhvr>
+                                        <p:cTn id="38" dur="1" fill="hold">
+                                          <p:stCondLst>
+                                            <p:cond delay="0"/>
+                                          </p:stCondLst>
+                                        </p:cTn>
+                                        <p:tgtEl>
+                                          <p:spTgt spid="13">
+                                            <p:txEl>
+                                              <p:pRg st="3" end="3"/>
+                                            </p:txEl>
+                                          </p:spTgt>
+                                        </p:tgtEl>
+                                        <p:attrNameLst>
+                                          <p:attrName>style.visibility</p:attrName>
+                                        </p:attrNameLst>
+                                      </p:cBhvr>
+                                      <p:to>
+                                        <p:strVal val="visible"/>
+                                      </p:to>
+                                    </p:set>
+                                  </p:childTnLst>
+                                </p:cTn>
+                              </p:par>
+                            </p:childTnLst>
+                          </p:cTn>
+                        </p:par>
+                      </p:childTnLst>
+                    </p:cTn>
+                  </p:par>
+                  <p:par>
+                    <p:cTn id="39" fill="hold">
+                      <p:stCondLst>
+                        <p:cond delay="indefinite"/>
+                      </p:stCondLst>
+                      <p:childTnLst>
+                        <p:par>
+                          <p:cTn id="40" fill="hold">
+                            <p:stCondLst>
+                              <p:cond delay="0"/>
+                            </p:stCondLst>
+                            <p:childTnLst>
+                              <p:par>
+                                <p:cTn id="41" presetID="1" presetClass="entr" presetSubtype="0" fill="hold" grpId="0" nodeType="clickEffect">
+                                  <p:stCondLst>
+                                    <p:cond delay="0"/>
+                                  </p:stCondLst>
+                                  <p:childTnLst>
+                                    <p:set>
+                                      <p:cBhvr>
+                                        <p:cTn id="42" dur="1" fill="hold">
+                                          <p:stCondLst>
+                                            <p:cond delay="0"/>
+                                          </p:stCondLst>
+                                        </p:cTn>
+                                        <p:tgtEl>
+                                          <p:spTgt spid="19"/>
+                                        </p:tgtEl>
+                                        <p:attrNameLst>
+                                          <p:attrName>style.visibility</p:attrName>
+                                        </p:attrNameLst>
+                                      </p:cBhvr>
+                                      <p:to>
+                                        <p:strVal val="visible"/>
+                                      </p:to>
+                                    </p:set>
+                                  </p:childTnLst>
+                                </p:cTn>
+                              </p:par>
+                            </p:childTnLst>
+                          </p:cTn>
+                        </p:par>
+                      </p:childTnLst>
+                    </p:cTn>
+                  </p:par>
+                  <p:par>
+                    <p:cTn id="43" fill="hold">
+                      <p:stCondLst>
+                        <p:cond delay="indefinite"/>
+                      </p:stCondLst>
+                      <p:childTnLst>
+                        <p:par>
+                          <p:cTn id="44" fill="hold">
+                            <p:stCondLst>
+                              <p:cond delay="0"/>
+                            </p:stCondLst>
+                            <p:childTnLst>
+                              <p:par>
+                                <p:cTn id="45" presetID="1" presetClass="entr" presetSubtype="0" fill="hold" nodeType="clickEffect">
+                                  <p:stCondLst>
+                                    <p:cond delay="0"/>
+                                  </p:stCondLst>
+                                  <p:childTnLst>
+                                    <p:set>
+                                      <p:cBhvr>
+                                        <p:cTn id="46" dur="1" fill="hold">
+                                          <p:stCondLst>
+                                            <p:cond delay="0"/>
+                                          </p:stCondLst>
+                                        </p:cTn>
+                                        <p:tgtEl>
+                                          <p:spTgt spid="13">
+                                            <p:txEl>
+                                              <p:pRg st="4" end="4"/>
+                                            </p:txEl>
+                                          </p:spTgt>
+                                        </p:tgtEl>
+                                        <p:attrNameLst>
+                                          <p:attrName>style.visibility</p:attrName>
+                                        </p:attrNameLst>
+                                      </p:cBhvr>
+                                      <p:to>
+                                        <p:strVal val="visible"/>
+                                      </p:to>
+                                    </p:set>
+                                  </p:childTnLst>
+                                </p:cTn>
+                              </p:par>
+                            </p:childTnLst>
+                          </p:cTn>
+                        </p:par>
+                      </p:childTnLst>
+                    </p:cTn>
+                  </p:par>
+                  <p:par>
+                    <p:cTn id="47" fill="hold">
+                      <p:stCondLst>
+                        <p:cond delay="indefinite"/>
+                      </p:stCondLst>
+                      <p:childTnLst>
+                        <p:par>
+                          <p:cTn id="48" fill="hold">
+                            <p:stCondLst>
+                              <p:cond delay="0"/>
+                            </p:stCondLst>
+                            <p:childTnLst>
+                              <p:par>
+                                <p:cTn id="49" presetID="1" presetClass="entr" presetSubtype="0" fill="hold" grpId="0" nodeType="clickEffect">
+                                  <p:stCondLst>
+                                    <p:cond delay="0"/>
+                                  </p:stCondLst>
+                                  <p:childTnLst>
+                                    <p:set>
+                                      <p:cBhvr>
+                                        <p:cTn id="50" dur="1" fill="hold">
+                                          <p:stCondLst>
+                                            <p:cond delay="0"/>
+                                          </p:stCondLst>
+                                        </p:cTn>
+                                        <p:tgtEl>
+                                          <p:spTgt spid="20"/>
+                                        </p:tgtEl>
+                                        <p:attrNameLst>
+                                          <p:attrName>style.visibility</p:attrName>
+                                        </p:attrNameLst>
+                                      </p:cBhvr>
+                                      <p:to>
+                                        <p:strVal val="visible"/>
+                                      </p:to>
+                                    </p:set>
+                                  </p:childTnLst>
+                                </p:cTn>
+                              </p:par>
+                            </p:childTnLst>
+                          </p:cTn>
+                        </p:par>
+                      </p:childTnLst>
+                    </p:cTn>
+                  </p:par>
+                  <p:par>
+                    <p:cTn id="51" fill="hold">
+                      <p:stCondLst>
+                        <p:cond delay="indefinite"/>
+                      </p:stCondLst>
+                      <p:childTnLst>
+                        <p:par>
+                          <p:cTn id="52" fill="hold">
+                            <p:stCondLst>
+                              <p:cond delay="0"/>
+                            </p:stCondLst>
+                            <p:childTnLst>
+                              <p:par>
+                                <p:cTn id="53" presetID="1" presetClass="entr" presetSubtype="0" fill="hold" nodeType="clickEffect">
+                                  <p:stCondLst>
+                                    <p:cond delay="0"/>
+                                  </p:stCondLst>
+                                  <p:childTnLst>
+                                    <p:set>
+                                      <p:cBhvr>
+                                        <p:cTn id="54" dur="1" fill="hold">
+                                          <p:stCondLst>
+                                            <p:cond delay="0"/>
+                                          </p:stCondLst>
+                                        </p:cTn>
+                                        <p:tgtEl>
+                                          <p:spTgt spid="13">
+                                            <p:txEl>
+                                              <p:pRg st="5" end="5"/>
+                                            </p:txEl>
+                                          </p:spTgt>
+                                        </p:tgtEl>
+                                        <p:attrNameLst>
+                                          <p:attrName>style.visibility</p:attrName>
+                                        </p:attrNameLst>
+                                      </p:cBhvr>
+                                      <p:to>
+                                        <p:strVal val="visible"/>
+                                      </p:to>
+                                    </p:set>
+                                  </p:childTnLst>
+                                </p:cTn>
+                              </p:par>
+                            </p:childTnLst>
+                          </p:cTn>
+                        </p:par>
+                      </p:childTnLst>
+                    </p:cTn>
+                  </p:par>
+                  <p:par>
+                    <p:cTn id="55" fill="hold">
+                      <p:stCondLst>
+                        <p:cond delay="indefinite"/>
+                      </p:stCondLst>
+                      <p:childTnLst>
+                        <p:par>
+                          <p:cTn id="56" fill="hold">
+                            <p:stCondLst>
+                              <p:cond delay="0"/>
+                            </p:stCondLst>
+                            <p:childTnLst>
+                              <p:par>
+                                <p:cTn id="57" presetID="1" presetClass="entr" presetSubtype="0" fill="hold" grpId="0" nodeType="clickEffect">
+                                  <p:stCondLst>
+                                    <p:cond delay="0"/>
+                                  </p:stCondLst>
+                                  <p:childTnLst>
+                                    <p:set>
+                                      <p:cBhvr>
+                                        <p:cTn id="58" dur="1" fill="hold">
+                                          <p:stCondLst>
+                                            <p:cond delay="0"/>
+                                          </p:stCondLst>
+                                        </p:cTn>
+                                        <p:tgtEl>
+                                          <p:spTgt spid="21"/>
+                                        </p:tgtEl>
+                                        <p:attrNameLst>
+                                          <p:attrName>style.visibility</p:attrName>
+                                        </p:attrNameLst>
+                                      </p:cBhvr>
+                                      <p:to>
+                                        <p:strVal val="visible"/>
+                                      </p:to>
+                                    </p:set>
+                                  </p:childTnLst>
+                                </p:cTn>
+                              </p:par>
+                            </p:childTnLst>
+                          </p:cTn>
+                        </p:par>
+                      </p:childTnLst>
+                    </p:cTn>
+                  </p:par>
+                </p:childTnLst>
+              </p:cTn>
+              <p:prevCondLst>
+                <p:cond evt="onPrev" delay="0">
+                  <p:tgtEl>
+                    <p:sldTgt/>
+                  </p:tgtEl>
+                </p:cond>
+              </p:prevCondLst>
+              <p:nextCondLst>
+                <p:cond evt="onNext" delay="0">
+                  <p:tgtEl>
+                    <p:sldTgt/>
+                  </p:tgtEl>
+                </p:cond>
+              </p:nextCondLst>
+            </p:seq>
+          </p:childTnLst>
+        </p:cTn>
+      </p:par>
+    </p:tnLst>
+    <p:bldLst>
+      <p:bldP spid="14" grpId="0" animBg="1"/>
+      <p:bldP spid="15" grpId="0" animBg="1"/>
+      <p:bldP spid="16" grpId="0" animBg="1"/>
+      <p:bldP spid="17" grpId="0" animBg="1"/>
+      <p:bldP spid="18" grpId="0" animBg="1"/>
+      <p:bldP spid="19" grpId="0" animBg="1"/>
+      <p:bldP spid="20" grpId="0" animBg="1"/>
+      <p:bldP spid="21" grpId="0" animBg="1"/>
+    </p:bldLst>
+  </p:timing>
+</p:sld>
+</file>
+
+<file path=ppt/slides/slide16.xml><?xml version="1.0" encoding="utf-8"?>
+<p:sld xmlns:a="http://schemas.openxmlformats.org/drawingml/2006/main" xmlns:r="http://schemas.openxmlformats.org/officeDocument/2006/relationships" xmlns:p="http://schemas.openxmlformats.org/presentationml/2006/main">
+  <p:cSld>
+    <p:spTree>
+      <p:nvGrpSpPr>
+        <p:cNvPr id="1" name=""/>
+        <p:cNvGrpSpPr/>
+        <p:nvPr/>
+      </p:nvGrpSpPr>
+      <p:grpSpPr>
+        <a:xfrm>
+          <a:off x="0" y="0"/>
+          <a:ext cx="0" cy="0"/>
+          <a:chOff x="0" y="0"/>
+          <a:chExt cx="0" cy="0"/>
+        </a:xfrm>
+      </p:grpSpPr>
+      <p:sp>
+        <p:nvSpPr>
+          <p:cNvPr id="2" name="Title 1">
+            <a:extLst>
+              <a:ext uri="{FF2B5EF4-FFF2-40B4-BE49-F238E27FC236}">
+                <a16:creationId xmlns:a16="http://schemas.microsoft.com/office/drawing/2014/main" id="{A74CF74C-6013-AE48-9297-6F473E60282D}"/>
+              </a:ext>
+            </a:extLst>
+          </p:cNvPr>
+          <p:cNvSpPr>
+            <a:spLocks noGrp="1"/>
+          </p:cNvSpPr>
+          <p:nvPr>
+            <p:ph type="title"/>
+          </p:nvPr>
+        </p:nvSpPr>
+        <p:spPr>
+          <a:xfrm>
+            <a:off x="685801" y="609600"/>
+            <a:ext cx="3496055" cy="1456267"/>
+          </a:xfrm>
+        </p:spPr>
+        <p:txBody>
+          <a:bodyPr>
+            <a:normAutofit fontScale="90000"/>
+          </a:bodyPr>
+          <a:lstStyle/>
+          <a:p>
+            <a:r>
+              <a:rPr lang="en-US" dirty="0"/>
+              <a:t>Same thing for all the other types</a:t>
+            </a:r>
+          </a:p>
+        </p:txBody>
+      </p:sp>
+      <p:pic>
+        <p:nvPicPr>
+          <p:cNvPr id="7" name="Picture 6" descr="Text&#10;&#10;Description automatically generated">
+            <a:extLst>
+              <a:ext uri="{FF2B5EF4-FFF2-40B4-BE49-F238E27FC236}">
+                <a16:creationId xmlns:a16="http://schemas.microsoft.com/office/drawing/2014/main" id="{823ECA1B-00A1-474B-8011-7E2E29B0B518}"/>
+              </a:ext>
+            </a:extLst>
+          </p:cNvPr>
+          <p:cNvPicPr>
+            <a:picLocks noChangeAspect="1"/>
+          </p:cNvPicPr>
+          <p:nvPr/>
+        </p:nvPicPr>
+        <p:blipFill>
+          <a:blip r:embed="rId2"/>
+          <a:stretch>
+            <a:fillRect/>
+          </a:stretch>
+        </p:blipFill>
+        <p:spPr>
+          <a:xfrm>
+            <a:off x="5260846" y="2977896"/>
+            <a:ext cx="6616059" cy="4293400"/>
+          </a:xfrm>
+          <a:prstGeom prst="rect">
+            <a:avLst/>
+          </a:prstGeom>
+        </p:spPr>
+      </p:pic>
+      <p:sp>
+        <p:nvSpPr>
+          <p:cNvPr id="10" name="Content Placeholder 9">
+            <a:extLst>
+              <a:ext uri="{FF2B5EF4-FFF2-40B4-BE49-F238E27FC236}">
+                <a16:creationId xmlns:a16="http://schemas.microsoft.com/office/drawing/2014/main" id="{B7968407-EAD2-9648-B11C-1BE661C27435}"/>
+              </a:ext>
+            </a:extLst>
+          </p:cNvPr>
+          <p:cNvSpPr>
+            <a:spLocks noGrp="1"/>
+          </p:cNvSpPr>
+          <p:nvPr>
+            <p:ph idx="1"/>
+          </p:nvPr>
+        </p:nvSpPr>
+        <p:spPr>
+          <a:xfrm>
+            <a:off x="685801" y="2398099"/>
+            <a:ext cx="4788407" cy="4293400"/>
+          </a:xfrm>
+        </p:spPr>
+        <p:txBody>
+          <a:bodyPr>
+            <a:normAutofit fontScale="92500" lnSpcReduction="10000"/>
+          </a:bodyPr>
+          <a:lstStyle/>
+          <a:p>
+            <a:pPr>
+              <a:buFont typeface="Arial" panose="020B0604020202020204" pitchFamily="34" charset="0"/>
+              <a:buChar char="•"/>
+            </a:pPr>
+            <a:r>
+              <a:rPr lang="en-US" dirty="0"/>
+              <a:t>On the right you’ll see a char function (top) and double function (bottom)</a:t>
+            </a:r>
+          </a:p>
+          <a:p>
+            <a:pPr lvl="1">
+              <a:buFont typeface="Arial" panose="020B0604020202020204" pitchFamily="34" charset="0"/>
+              <a:buChar char="•"/>
+            </a:pPr>
+            <a:r>
+              <a:rPr lang="en-US" dirty="0"/>
+              <a:t>Super simplified examples</a:t>
+            </a:r>
+          </a:p>
+          <a:p>
+            <a:pPr>
+              <a:buFont typeface="Arial" panose="020B0604020202020204" pitchFamily="34" charset="0"/>
+              <a:buChar char="•"/>
+            </a:pPr>
+            <a:r>
+              <a:rPr lang="en-US" dirty="0"/>
+              <a:t>Things to note</a:t>
+            </a:r>
+          </a:p>
+          <a:p>
+            <a:pPr lvl="1">
+              <a:buFont typeface="Arial" panose="020B0604020202020204" pitchFamily="34" charset="0"/>
+              <a:buChar char="•"/>
+            </a:pPr>
+            <a:r>
+              <a:rPr lang="en-US" dirty="0"/>
+              <a:t>Function take in same return type arguments; this is not a requirement at all. It can take in whatever the function creator wants</a:t>
+            </a:r>
+          </a:p>
+          <a:p>
+            <a:pPr lvl="1">
+              <a:buFont typeface="Arial" panose="020B0604020202020204" pitchFamily="34" charset="0"/>
+              <a:buChar char="•"/>
+            </a:pPr>
+            <a:r>
+              <a:rPr lang="en-US" dirty="0"/>
+              <a:t>Functions return the argument right away. Normally the function will have actual logic that involves the argument(s) and then returns a value</a:t>
+            </a:r>
+          </a:p>
+          <a:p>
+            <a:pPr>
+              <a:buFont typeface="Arial" panose="020B0604020202020204" pitchFamily="34" charset="0"/>
+              <a:buChar char="•"/>
+            </a:pPr>
+            <a:r>
+              <a:rPr lang="en-US" dirty="0"/>
+              <a:t>The whole point of this is to show what you can do with the return value</a:t>
+            </a:r>
+          </a:p>
+          <a:p>
+            <a:pPr lvl="1">
+              <a:buFont typeface="Arial" panose="020B0604020202020204" pitchFamily="34" charset="0"/>
+              <a:buChar char="•"/>
+            </a:pPr>
+            <a:r>
+              <a:rPr lang="en-US" dirty="0"/>
+              <a:t>In this case, it is stored in the ”</a:t>
+            </a:r>
+            <a:r>
+              <a:rPr lang="en-US" dirty="0" err="1"/>
+              <a:t>returnValue</a:t>
+            </a:r>
+            <a:r>
+              <a:rPr lang="en-US" dirty="0"/>
+              <a:t>” variable to be used in later logic</a:t>
+            </a:r>
+          </a:p>
+          <a:p>
+            <a:endParaRPr lang="en-US" dirty="0"/>
+          </a:p>
+        </p:txBody>
+      </p:sp>
+      <p:pic>
+        <p:nvPicPr>
+          <p:cNvPr id="13" name="Picture 12" descr="Text&#10;&#10;Description automatically generated">
+            <a:extLst>
+              <a:ext uri="{FF2B5EF4-FFF2-40B4-BE49-F238E27FC236}">
+                <a16:creationId xmlns:a16="http://schemas.microsoft.com/office/drawing/2014/main" id="{E3E46997-556D-1547-82CA-38DC35E67BA7}"/>
+              </a:ext>
+            </a:extLst>
+          </p:cNvPr>
+          <p:cNvPicPr>
+            <a:picLocks noChangeAspect="1"/>
+          </p:cNvPicPr>
+          <p:nvPr/>
+        </p:nvPicPr>
+        <p:blipFill>
+          <a:blip r:embed="rId3"/>
+          <a:stretch>
+            <a:fillRect/>
+          </a:stretch>
+        </p:blipFill>
+        <p:spPr>
+          <a:xfrm>
+            <a:off x="5260847" y="-571339"/>
+            <a:ext cx="6616058" cy="4656686"/>
+          </a:xfrm>
+          <a:prstGeom prst="rect">
+            <a:avLst/>
+          </a:prstGeom>
+        </p:spPr>
+      </p:pic>
+    </p:spTree>
+    <p:extLst>
+      <p:ext uri="{BB962C8B-B14F-4D97-AF65-F5344CB8AC3E}">
+        <p14:creationId xmlns:p14="http://schemas.microsoft.com/office/powerpoint/2010/main" val="1269213735"/>
+      </p:ext>
+    </p:extLst>
+  </p:cSld>
+  <p:clrMapOvr>
+    <a:masterClrMapping/>
+  </p:clrMapOvr>
+</p:sld>
+</file>
+
+<file path=ppt/slides/slide17.xml><?xml version="1.0" encoding="utf-8"?>
+<p:sld xmlns:a="http://schemas.openxmlformats.org/drawingml/2006/main" xmlns:r="http://schemas.openxmlformats.org/officeDocument/2006/relationships" xmlns:p="http://schemas.openxmlformats.org/presentationml/2006/main">
+  <p:cSld>
+    <p:spTree>
+      <p:nvGrpSpPr>
+        <p:cNvPr id="1" name=""/>
+        <p:cNvGrpSpPr/>
+        <p:nvPr/>
+      </p:nvGrpSpPr>
+      <p:grpSpPr>
+        <a:xfrm>
+          <a:off x="0" y="0"/>
+          <a:ext cx="0" cy="0"/>
+          <a:chOff x="0" y="0"/>
+          <a:chExt cx="0" cy="0"/>
+        </a:xfrm>
+      </p:grpSpPr>
+      <p:sp>
+        <p:nvSpPr>
+          <p:cNvPr id="2" name="Title 1">
+            <a:extLst>
+              <a:ext uri="{FF2B5EF4-FFF2-40B4-BE49-F238E27FC236}">
                 <a16:creationId xmlns:a16="http://schemas.microsoft.com/office/drawing/2014/main" id="{A9E0A9B7-51DB-7247-969C-90533EAECF52}"/>
               </a:ext>
             </a:extLst>
@@ -8164,43 +9803,43 @@
             </a:r>
             <a:r>
               <a:rPr lang="en-US" u="sng" dirty="0" err="1"/>
-              <a:t>UsingStrings-Exercise.c</a:t>
-            </a:r>
-            <a:r>
-              <a:rPr lang="en-US" u="sng" dirty="0"/>
-              <a:t> </a:t>
-            </a:r>
-            <a:r>
-              <a:rPr lang="en-US" dirty="0"/>
-              <a:t>in the Exercise folder for Section6-Arrays</a:t>
-            </a:r>
-          </a:p>
-          <a:p>
-            <a:r>
-              <a:rPr lang="en-US" dirty="0"/>
-              <a:t>Instructions on are the script. Be careful with the sizes if you change stuff.</a:t>
-            </a:r>
+              <a:t>CreatingUserDefinedFunctions-Exercise.c</a:t>
+            </a:r>
+            <a:r>
+              <a:rPr lang="en-US" dirty="0"/>
+              <a:t> in the Exercise folder for Section8-Arrays</a:t>
+            </a:r>
+          </a:p>
+          <a:p>
+            <a:r>
+              <a:rPr lang="en-US" dirty="0"/>
+              <a:t> Create a program that asks the user to enter two numbers (</a:t>
+            </a:r>
+            <a:r>
+              <a:rPr lang="en-US" dirty="0" err="1"/>
+              <a:t>seperated</a:t>
+            </a:r>
+            <a:r>
+              <a:rPr lang="en-US" dirty="0"/>
+              <a:t> by a space), adds them together, and then prints the result. The code below works, but let's use a function to create a more readable, modular, and efficient program...</a:t>
+            </a:r>
+            <a:endParaRPr lang="en-US" i="1" dirty="0"/>
           </a:p>
           <a:p>
             <a:pPr lvl="1"/>
             <a:r>
               <a:rPr lang="en-US" i="1" dirty="0"/>
-              <a:t>341 COS</a:t>
-            </a:r>
+              <a:t>Enters two numbers: 12 25</a:t>
+            </a:r>
+            <a:endParaRPr lang="en-US" dirty="0"/>
           </a:p>
           <a:p>
             <a:pPr lvl="1"/>
             <a:r>
               <a:rPr lang="en-US" i="1" dirty="0"/>
-              <a:t>match</a:t>
-            </a:r>
-          </a:p>
-          <a:p>
-            <a:pPr lvl="1"/>
-            <a:r>
-              <a:rPr lang="en-US" i="1" dirty="0"/>
-              <a:t>7</a:t>
-            </a:r>
+              <a:t>sum = 37</a:t>
+            </a:r>
+            <a:endParaRPr lang="en-US" dirty="0"/>
           </a:p>
           <a:p>
             <a:r>
@@ -8223,7 +9862,7 @@
 </p:sld>
 </file>
 
-<file path=ppt/slides/slide16.xml><?xml version="1.0" encoding="utf-8"?>
+<file path=ppt/slides/slide18.xml><?xml version="1.0" encoding="utf-8"?>
 <p:sld xmlns:a="http://schemas.openxmlformats.org/drawingml/2006/main" xmlns:r="http://schemas.openxmlformats.org/officeDocument/2006/relationships" xmlns:p="http://schemas.openxmlformats.org/presentationml/2006/main">
   <p:cSld>
     <p:spTree>
@@ -8372,189 +10011,6 @@
 </p:sld>
 </file>
 
-<file path=ppt/slides/slide17.xml><?xml version="1.0" encoding="utf-8"?>
-<p:sld xmlns:a="http://schemas.openxmlformats.org/drawingml/2006/main" xmlns:r="http://schemas.openxmlformats.org/officeDocument/2006/relationships" xmlns:p="http://schemas.openxmlformats.org/presentationml/2006/main">
-  <p:cSld>
-    <p:spTree>
-      <p:nvGrpSpPr>
-        <p:cNvPr id="1" name=""/>
-        <p:cNvGrpSpPr/>
-        <p:nvPr/>
-      </p:nvGrpSpPr>
-      <p:grpSpPr>
-        <a:xfrm>
-          <a:off x="0" y="0"/>
-          <a:ext cx="0" cy="0"/>
-          <a:chOff x="0" y="0"/>
-          <a:chExt cx="0" cy="0"/>
-        </a:xfrm>
-      </p:grpSpPr>
-      <p:sp>
-        <p:nvSpPr>
-          <p:cNvPr id="2" name="Title 1">
-            <a:extLst>
-              <a:ext uri="{FF2B5EF4-FFF2-40B4-BE49-F238E27FC236}">
-                <a16:creationId xmlns:a16="http://schemas.microsoft.com/office/drawing/2014/main" id="{BB97FB12-89E8-8241-A4C0-9DE3A6DF183E}"/>
-              </a:ext>
-            </a:extLst>
-          </p:cNvPr>
-          <p:cNvSpPr>
-            <a:spLocks noGrp="1"/>
-          </p:cNvSpPr>
-          <p:nvPr>
-            <p:ph type="title"/>
-          </p:nvPr>
-        </p:nvSpPr>
-        <p:spPr/>
-        <p:txBody>
-          <a:bodyPr/>
-          <a:lstStyle/>
-          <a:p>
-            <a:r>
-              <a:rPr lang="en-US" dirty="0"/>
-              <a:t>Windows API</a:t>
-            </a:r>
-          </a:p>
-        </p:txBody>
-      </p:sp>
-      <p:sp>
-        <p:nvSpPr>
-          <p:cNvPr id="3" name="Content Placeholder 2">
-            <a:extLst>
-              <a:ext uri="{FF2B5EF4-FFF2-40B4-BE49-F238E27FC236}">
-                <a16:creationId xmlns:a16="http://schemas.microsoft.com/office/drawing/2014/main" id="{734F7513-2EDD-C344-960E-7FDDD61A49A9}"/>
-              </a:ext>
-            </a:extLst>
-          </p:cNvPr>
-          <p:cNvSpPr>
-            <a:spLocks noGrp="1"/>
-          </p:cNvSpPr>
-          <p:nvPr>
-            <p:ph idx="1"/>
-          </p:nvPr>
-        </p:nvSpPr>
-        <p:spPr/>
-        <p:txBody>
-          <a:bodyPr/>
-          <a:lstStyle/>
-          <a:p>
-            <a:endParaRPr lang="en-US"/>
-          </a:p>
-        </p:txBody>
-      </p:sp>
-    </p:spTree>
-    <p:extLst>
-      <p:ext uri="{BB962C8B-B14F-4D97-AF65-F5344CB8AC3E}">
-        <p14:creationId xmlns:p14="http://schemas.microsoft.com/office/powerpoint/2010/main" val="621622012"/>
-      </p:ext>
-    </p:extLst>
-  </p:cSld>
-  <p:clrMapOvr>
-    <a:masterClrMapping/>
-  </p:clrMapOvr>
-</p:sld>
-</file>
-
-<file path=ppt/slides/slide18.xml><?xml version="1.0" encoding="utf-8"?>
-<p:sld xmlns:a="http://schemas.openxmlformats.org/drawingml/2006/main" xmlns:r="http://schemas.openxmlformats.org/officeDocument/2006/relationships" xmlns:p="http://schemas.openxmlformats.org/presentationml/2006/main">
-  <p:cSld>
-    <p:spTree>
-      <p:nvGrpSpPr>
-        <p:cNvPr id="1" name=""/>
-        <p:cNvGrpSpPr/>
-        <p:nvPr/>
-      </p:nvGrpSpPr>
-      <p:grpSpPr>
-        <a:xfrm>
-          <a:off x="0" y="0"/>
-          <a:ext cx="0" cy="0"/>
-          <a:chOff x="0" y="0"/>
-          <a:chExt cx="0" cy="0"/>
-        </a:xfrm>
-      </p:grpSpPr>
-      <p:sp>
-        <p:nvSpPr>
-          <p:cNvPr id="2" name="Title 1">
-            <a:extLst>
-              <a:ext uri="{FF2B5EF4-FFF2-40B4-BE49-F238E27FC236}">
-                <a16:creationId xmlns:a16="http://schemas.microsoft.com/office/drawing/2014/main" id="{C7DA4FEA-5906-D145-BC36-2C5CF219C722}"/>
-              </a:ext>
-            </a:extLst>
-          </p:cNvPr>
-          <p:cNvSpPr>
-            <a:spLocks noGrp="1"/>
-          </p:cNvSpPr>
-          <p:nvPr>
-            <p:ph type="title"/>
-          </p:nvPr>
-        </p:nvSpPr>
-        <p:spPr/>
-        <p:txBody>
-          <a:bodyPr/>
-          <a:lstStyle/>
-          <a:p>
-            <a:r>
-              <a:rPr lang="en-US" dirty="0"/>
-              <a:t>Overview</a:t>
-            </a:r>
-          </a:p>
-        </p:txBody>
-      </p:sp>
-      <p:sp>
-        <p:nvSpPr>
-          <p:cNvPr id="3" name="Content Placeholder 2">
-            <a:extLst>
-              <a:ext uri="{FF2B5EF4-FFF2-40B4-BE49-F238E27FC236}">
-                <a16:creationId xmlns:a16="http://schemas.microsoft.com/office/drawing/2014/main" id="{93DBAB44-569A-6C4D-BD21-693EC535872D}"/>
-              </a:ext>
-            </a:extLst>
-          </p:cNvPr>
-          <p:cNvSpPr>
-            <a:spLocks noGrp="1"/>
-          </p:cNvSpPr>
-          <p:nvPr>
-            <p:ph idx="1"/>
-          </p:nvPr>
-        </p:nvSpPr>
-        <p:spPr/>
-        <p:txBody>
-          <a:bodyPr>
-            <a:normAutofit/>
-          </a:bodyPr>
-          <a:lstStyle/>
-          <a:p>
-            <a:r>
-              <a:rPr lang="en-US" sz="2800" dirty="0"/>
-              <a:t>User-defined functions</a:t>
-            </a:r>
-          </a:p>
-          <a:p>
-            <a:r>
-              <a:rPr lang="en-US" sz="2800" dirty="0"/>
-              <a:t>Functions types</a:t>
-            </a:r>
-          </a:p>
-          <a:p>
-            <a:r>
-              <a:rPr lang="en-US" sz="2800" dirty="0"/>
-              <a:t>Standard library functions</a:t>
-            </a:r>
-          </a:p>
-        </p:txBody>
-      </p:sp>
-    </p:spTree>
-    <p:extLst>
-      <p:ext uri="{BB962C8B-B14F-4D97-AF65-F5344CB8AC3E}">
-        <p14:creationId xmlns:p14="http://schemas.microsoft.com/office/powerpoint/2010/main" val="796468065"/>
-      </p:ext>
-    </p:extLst>
-  </p:cSld>
-  <p:clrMapOvr>
-    <a:masterClrMapping/>
-  </p:clrMapOvr>
-</p:sld>
-</file>
-
 <file path=ppt/slides/slide19.xml><?xml version="1.0" encoding="utf-8"?>
 <p:sld xmlns:a="http://schemas.openxmlformats.org/drawingml/2006/main" xmlns:r="http://schemas.openxmlformats.org/officeDocument/2006/relationships" xmlns:p="http://schemas.openxmlformats.org/presentationml/2006/main">
   <p:cSld>
@@ -8577,7 +10033,7 @@
           <p:cNvPr id="2" name="Title 1">
             <a:extLst>
               <a:ext uri="{FF2B5EF4-FFF2-40B4-BE49-F238E27FC236}">
-                <a16:creationId xmlns:a16="http://schemas.microsoft.com/office/drawing/2014/main" id="{85A78A2E-1182-6147-AD4D-68EB9ADCB987}"/>
+                <a16:creationId xmlns:a16="http://schemas.microsoft.com/office/drawing/2014/main" id="{C7DA4FEA-5906-D145-BC36-2C5CF219C722}"/>
               </a:ext>
             </a:extLst>
           </p:cNvPr>
@@ -8595,7 +10051,7 @@
           <a:p>
             <a:r>
               <a:rPr lang="en-US" dirty="0"/>
-              <a:t>References</a:t>
+              <a:t>Overview</a:t>
             </a:r>
           </a:p>
         </p:txBody>
@@ -8605,7 +10061,7 @@
           <p:cNvPr id="3" name="Content Placeholder 2">
             <a:extLst>
               <a:ext uri="{FF2B5EF4-FFF2-40B4-BE49-F238E27FC236}">
-                <a16:creationId xmlns:a16="http://schemas.microsoft.com/office/drawing/2014/main" id="{0523291A-621D-874D-8E8A-10E7A5750E3B}"/>
+                <a16:creationId xmlns:a16="http://schemas.microsoft.com/office/drawing/2014/main" id="{93DBAB44-569A-6C4D-BD21-693EC535872D}"/>
               </a:ext>
             </a:extLst>
           </p:cNvPr>
@@ -8616,72 +10072,36 @@
             <p:ph idx="1"/>
           </p:nvPr>
         </p:nvSpPr>
-        <p:spPr>
-          <a:xfrm>
-            <a:off x="563881" y="2837011"/>
-            <a:ext cx="10131425" cy="3649133"/>
-          </a:xfrm>
-        </p:spPr>
-        <p:txBody>
-          <a:bodyPr/>
-          <a:lstStyle/>
-          <a:p>
-            <a:r>
-              <a:rPr lang="en-US" dirty="0">
-                <a:hlinkClick r:id="rId3"/>
-              </a:rPr>
-              <a:t>https://www.programiz.com/c-programming/c-arrays-functions</a:t>
-            </a:r>
-            <a:endParaRPr lang="en-US" dirty="0"/>
-          </a:p>
-          <a:p>
-            <a:r>
-              <a:rPr lang="en-US" dirty="0">
-                <a:hlinkClick r:id="rId4"/>
-              </a:rPr>
-              <a:t>https://beginnersbook.com/2014/01/c-passing-pointers-to-functions/</a:t>
-            </a:r>
-            <a:endParaRPr lang="en-US" dirty="0"/>
-          </a:p>
-          <a:p>
-            <a:r>
-              <a:rPr lang="en-US" dirty="0">
-                <a:hlinkClick r:id="rId5"/>
-              </a:rPr>
-              <a:t>https://www.ibm.com/docs/en/i/7.4?topic=extensions-standard-c-library-functions-table-by-name</a:t>
-            </a:r>
-            <a:endParaRPr lang="en-US" dirty="0"/>
-          </a:p>
-          <a:p>
-            <a:endParaRPr lang="en-US" dirty="0"/>
-          </a:p>
-          <a:p>
-            <a:endParaRPr lang="en-US" dirty="0"/>
-          </a:p>
-          <a:p>
-            <a:endParaRPr lang="en-US" dirty="0"/>
-          </a:p>
-          <a:p>
-            <a:endParaRPr lang="en-US" dirty="0"/>
-          </a:p>
-          <a:p>
-            <a:endParaRPr lang="en-US" dirty="0"/>
-          </a:p>
-          <a:p>
-            <a:endParaRPr lang="en-US" dirty="0"/>
-          </a:p>
-          <a:p>
-            <a:endParaRPr lang="en-US" dirty="0"/>
-          </a:p>
-          <a:p>
-            <a:endParaRPr lang="en-US" dirty="0"/>
+        <p:spPr/>
+        <p:txBody>
+          <a:bodyPr>
+            <a:normAutofit/>
+          </a:bodyPr>
+          <a:lstStyle/>
+          <a:p>
+            <a:r>
+              <a:rPr lang="en-US" sz="2800" dirty="0"/>
+              <a:t>User-defined functions</a:t>
+            </a:r>
+          </a:p>
+          <a:p>
+            <a:r>
+              <a:rPr lang="en-US" sz="2800" dirty="0"/>
+              <a:t>Functions types</a:t>
+            </a:r>
+          </a:p>
+          <a:p>
+            <a:r>
+              <a:rPr lang="en-US" sz="2800" dirty="0"/>
+              <a:t>Standard library functions</a:t>
+            </a:r>
           </a:p>
         </p:txBody>
       </p:sp>
     </p:spTree>
     <p:extLst>
       <p:ext uri="{BB962C8B-B14F-4D97-AF65-F5344CB8AC3E}">
-        <p14:creationId xmlns:p14="http://schemas.microsoft.com/office/powerpoint/2010/main" val="867669438"/>
+        <p14:creationId xmlns:p14="http://schemas.microsoft.com/office/powerpoint/2010/main" val="796468065"/>
       </p:ext>
     </p:extLst>
   </p:cSld>
@@ -8782,6 +10202,142 @@
     <p:extLst>
       <p:ext uri="{BB962C8B-B14F-4D97-AF65-F5344CB8AC3E}">
         <p14:creationId xmlns:p14="http://schemas.microsoft.com/office/powerpoint/2010/main" val="492067945"/>
+      </p:ext>
+    </p:extLst>
+  </p:cSld>
+  <p:clrMapOvr>
+    <a:masterClrMapping/>
+  </p:clrMapOvr>
+</p:sld>
+</file>
+
+<file path=ppt/slides/slide20.xml><?xml version="1.0" encoding="utf-8"?>
+<p:sld xmlns:a="http://schemas.openxmlformats.org/drawingml/2006/main" xmlns:r="http://schemas.openxmlformats.org/officeDocument/2006/relationships" xmlns:p="http://schemas.openxmlformats.org/presentationml/2006/main">
+  <p:cSld>
+    <p:spTree>
+      <p:nvGrpSpPr>
+        <p:cNvPr id="1" name=""/>
+        <p:cNvGrpSpPr/>
+        <p:nvPr/>
+      </p:nvGrpSpPr>
+      <p:grpSpPr>
+        <a:xfrm>
+          <a:off x="0" y="0"/>
+          <a:ext cx="0" cy="0"/>
+          <a:chOff x="0" y="0"/>
+          <a:chExt cx="0" cy="0"/>
+        </a:xfrm>
+      </p:grpSpPr>
+      <p:sp>
+        <p:nvSpPr>
+          <p:cNvPr id="2" name="Title 1">
+            <a:extLst>
+              <a:ext uri="{FF2B5EF4-FFF2-40B4-BE49-F238E27FC236}">
+                <a16:creationId xmlns:a16="http://schemas.microsoft.com/office/drawing/2014/main" id="{85A78A2E-1182-6147-AD4D-68EB9ADCB987}"/>
+              </a:ext>
+            </a:extLst>
+          </p:cNvPr>
+          <p:cNvSpPr>
+            <a:spLocks noGrp="1"/>
+          </p:cNvSpPr>
+          <p:nvPr>
+            <p:ph type="title"/>
+          </p:nvPr>
+        </p:nvSpPr>
+        <p:spPr/>
+        <p:txBody>
+          <a:bodyPr/>
+          <a:lstStyle/>
+          <a:p>
+            <a:r>
+              <a:rPr lang="en-US" dirty="0"/>
+              <a:t>References</a:t>
+            </a:r>
+          </a:p>
+        </p:txBody>
+      </p:sp>
+      <p:sp>
+        <p:nvSpPr>
+          <p:cNvPr id="3" name="Content Placeholder 2">
+            <a:extLst>
+              <a:ext uri="{FF2B5EF4-FFF2-40B4-BE49-F238E27FC236}">
+                <a16:creationId xmlns:a16="http://schemas.microsoft.com/office/drawing/2014/main" id="{0523291A-621D-874D-8E8A-10E7A5750E3B}"/>
+              </a:ext>
+            </a:extLst>
+          </p:cNvPr>
+          <p:cNvSpPr>
+            <a:spLocks noGrp="1"/>
+          </p:cNvSpPr>
+          <p:nvPr>
+            <p:ph idx="1"/>
+          </p:nvPr>
+        </p:nvSpPr>
+        <p:spPr>
+          <a:xfrm>
+            <a:off x="563881" y="2837011"/>
+            <a:ext cx="10131425" cy="3649133"/>
+          </a:xfrm>
+        </p:spPr>
+        <p:txBody>
+          <a:bodyPr/>
+          <a:lstStyle/>
+          <a:p>
+            <a:r>
+              <a:rPr lang="en-US" dirty="0">
+                <a:hlinkClick r:id="rId3"/>
+              </a:rPr>
+              <a:t>https://www.programiz.com/c-programming/c-arrays-functions</a:t>
+            </a:r>
+            <a:endParaRPr lang="en-US" dirty="0"/>
+          </a:p>
+          <a:p>
+            <a:r>
+              <a:rPr lang="en-US" dirty="0">
+                <a:hlinkClick r:id="rId4"/>
+              </a:rPr>
+              <a:t>https://beginnersbook.com/2014/01/c-passing-pointers-to-functions/</a:t>
+            </a:r>
+            <a:endParaRPr lang="en-US" dirty="0"/>
+          </a:p>
+          <a:p>
+            <a:r>
+              <a:rPr lang="en-US" dirty="0">
+                <a:hlinkClick r:id="rId5"/>
+              </a:rPr>
+              <a:t>https://www.ibm.com/docs/en/i/7.4?topic=extensions-standard-c-library-functions-table-by-name</a:t>
+            </a:r>
+            <a:endParaRPr lang="en-US" dirty="0"/>
+          </a:p>
+          <a:p>
+            <a:endParaRPr lang="en-US" dirty="0"/>
+          </a:p>
+          <a:p>
+            <a:endParaRPr lang="en-US" dirty="0"/>
+          </a:p>
+          <a:p>
+            <a:endParaRPr lang="en-US" dirty="0"/>
+          </a:p>
+          <a:p>
+            <a:endParaRPr lang="en-US" dirty="0"/>
+          </a:p>
+          <a:p>
+            <a:endParaRPr lang="en-US" dirty="0"/>
+          </a:p>
+          <a:p>
+            <a:endParaRPr lang="en-US" dirty="0"/>
+          </a:p>
+          <a:p>
+            <a:endParaRPr lang="en-US" dirty="0"/>
+          </a:p>
+          <a:p>
+            <a:endParaRPr lang="en-US" dirty="0"/>
+          </a:p>
+        </p:txBody>
+      </p:sp>
+    </p:spTree>
+    <p:extLst>
+      <p:ext uri="{BB962C8B-B14F-4D97-AF65-F5344CB8AC3E}">
+        <p14:creationId xmlns:p14="http://schemas.microsoft.com/office/powerpoint/2010/main" val="867669438"/>
       </p:ext>
     </p:extLst>
   </p:cSld>
